--- a/file/6. Attention과 AutoEncoder.pptx
+++ b/file/6. Attention과 AutoEncoder.pptx
@@ -261,7 +261,7 @@
               <a:pPr lvl="0">
                 <a:defRPr/>
               </a:pPr>
-              <a:t>2025-11-13</a:t>
+              <a:t>2025-11-14</a:t>
             </a:fld>
             <a:endParaRPr lang="ko-KR" altLang="en-US"/>
           </a:p>
@@ -4621,7 +4621,7 @@
           <a:p>
             <a:fld id="{C86BE707-1330-4C19-83FC-0E737F95D1C2}" type="datetimeFigureOut">
               <a:rPr lang="ko-KR" altLang="en-US" smtClean="0"/>
-              <a:t>2025-11-13</a:t>
+              <a:t>2025-11-14</a:t>
             </a:fld>
             <a:endParaRPr lang="ko-KR" altLang="en-US"/>
           </a:p>
@@ -4819,7 +4819,7 @@
           <a:p>
             <a:fld id="{C86BE707-1330-4C19-83FC-0E737F95D1C2}" type="datetimeFigureOut">
               <a:rPr lang="ko-KR" altLang="en-US" smtClean="0"/>
-              <a:t>2025-11-13</a:t>
+              <a:t>2025-11-14</a:t>
             </a:fld>
             <a:endParaRPr lang="ko-KR" altLang="en-US"/>
           </a:p>
@@ -5027,7 +5027,7 @@
           <a:p>
             <a:fld id="{C86BE707-1330-4C19-83FC-0E737F95D1C2}" type="datetimeFigureOut">
               <a:rPr lang="ko-KR" altLang="en-US" smtClean="0"/>
-              <a:t>2025-11-13</a:t>
+              <a:t>2025-11-14</a:t>
             </a:fld>
             <a:endParaRPr lang="ko-KR" altLang="en-US"/>
           </a:p>
@@ -5225,7 +5225,7 @@
           <a:p>
             <a:fld id="{C86BE707-1330-4C19-83FC-0E737F95D1C2}" type="datetimeFigureOut">
               <a:rPr lang="ko-KR" altLang="en-US" smtClean="0"/>
-              <a:t>2025-11-13</a:t>
+              <a:t>2025-11-14</a:t>
             </a:fld>
             <a:endParaRPr lang="ko-KR" altLang="en-US"/>
           </a:p>
@@ -5500,7 +5500,7 @@
           <a:p>
             <a:fld id="{C86BE707-1330-4C19-83FC-0E737F95D1C2}" type="datetimeFigureOut">
               <a:rPr lang="ko-KR" altLang="en-US" smtClean="0"/>
-              <a:t>2025-11-13</a:t>
+              <a:t>2025-11-14</a:t>
             </a:fld>
             <a:endParaRPr lang="ko-KR" altLang="en-US"/>
           </a:p>
@@ -5765,7 +5765,7 @@
           <a:p>
             <a:fld id="{C86BE707-1330-4C19-83FC-0E737F95D1C2}" type="datetimeFigureOut">
               <a:rPr lang="ko-KR" altLang="en-US" smtClean="0"/>
-              <a:t>2025-11-13</a:t>
+              <a:t>2025-11-14</a:t>
             </a:fld>
             <a:endParaRPr lang="ko-KR" altLang="en-US"/>
           </a:p>
@@ -6180,7 +6180,7 @@
               <a:pPr lvl="0">
                 <a:defRPr/>
               </a:pPr>
-              <a:t>2025-11-13</a:t>
+              <a:t>2025-11-14</a:t>
             </a:fld>
             <a:endParaRPr lang="ko-KR" altLang="en-US"/>
           </a:p>
@@ -6517,7 +6517,7 @@
           <a:p>
             <a:fld id="{C86BE707-1330-4C19-83FC-0E737F95D1C2}" type="datetimeFigureOut">
               <a:rPr lang="ko-KR" altLang="en-US" smtClean="0"/>
-              <a:t>2025-11-13</a:t>
+              <a:t>2025-11-14</a:t>
             </a:fld>
             <a:endParaRPr lang="ko-KR" altLang="en-US"/>
           </a:p>
@@ -6630,7 +6630,7 @@
           <a:p>
             <a:fld id="{C86BE707-1330-4C19-83FC-0E737F95D1C2}" type="datetimeFigureOut">
               <a:rPr lang="ko-KR" altLang="en-US" smtClean="0"/>
-              <a:t>2025-11-13</a:t>
+              <a:t>2025-11-14</a:t>
             </a:fld>
             <a:endParaRPr lang="ko-KR" altLang="en-US"/>
           </a:p>
@@ -6941,7 +6941,7 @@
           <a:p>
             <a:fld id="{C86BE707-1330-4C19-83FC-0E737F95D1C2}" type="datetimeFigureOut">
               <a:rPr lang="ko-KR" altLang="en-US" smtClean="0"/>
-              <a:t>2025-11-13</a:t>
+              <a:t>2025-11-14</a:t>
             </a:fld>
             <a:endParaRPr lang="ko-KR" altLang="en-US"/>
           </a:p>
@@ -7229,7 +7229,7 @@
           <a:p>
             <a:fld id="{C86BE707-1330-4C19-83FC-0E737F95D1C2}" type="datetimeFigureOut">
               <a:rPr lang="ko-KR" altLang="en-US" smtClean="0"/>
-              <a:t>2025-11-13</a:t>
+              <a:t>2025-11-14</a:t>
             </a:fld>
             <a:endParaRPr lang="ko-KR" altLang="en-US"/>
           </a:p>
@@ -7470,7 +7470,7 @@
           <a:p>
             <a:fld id="{C86BE707-1330-4C19-83FC-0E737F95D1C2}" type="datetimeFigureOut">
               <a:rPr lang="ko-KR" altLang="en-US" smtClean="0"/>
-              <a:t>2025-11-13</a:t>
+              <a:t>2025-11-14</a:t>
             </a:fld>
             <a:endParaRPr lang="ko-KR" altLang="en-US"/>
           </a:p>
@@ -8155,7 +8155,7 @@
     <mc:Choice Requires="p14">
       <p:transition/>
     </mc:Choice>
-    <mc:Fallback xmlns:dsp="http://schemas.microsoft.com/office/drawing/2008/diagram" xmlns:dgm="http://schemas.openxmlformats.org/drawingml/2006/diagram" xmlns:c="http://schemas.openxmlformats.org/drawingml/2006/chart" xmlns="">
+    <mc:Fallback xmlns="" xmlns:c="http://schemas.openxmlformats.org/drawingml/2006/chart" xmlns:dgm="http://schemas.openxmlformats.org/drawingml/2006/diagram" xmlns:dsp="http://schemas.microsoft.com/office/drawing/2008/diagram">
       <p:transition/>
     </mc:Fallback>
   </mc:AlternateContent>
@@ -9977,7 +9977,7 @@
     <mc:Choice Requires="p14">
       <p:transition/>
     </mc:Choice>
-    <mc:Fallback xmlns:dsp="http://schemas.microsoft.com/office/drawing/2008/diagram" xmlns:dgm="http://schemas.openxmlformats.org/drawingml/2006/diagram" xmlns:c="http://schemas.openxmlformats.org/drawingml/2006/chart" xmlns="">
+    <mc:Fallback xmlns="" xmlns:c="http://schemas.openxmlformats.org/drawingml/2006/chart" xmlns:dgm="http://schemas.openxmlformats.org/drawingml/2006/diagram" xmlns:dsp="http://schemas.microsoft.com/office/drawing/2008/diagram">
       <p:transition/>
     </mc:Fallback>
   </mc:AlternateContent>
@@ -10146,8 +10146,8 @@
           </a:p>
         </p:txBody>
       </p:sp>
-      <mc:AlternateContent xmlns:mc="http://schemas.openxmlformats.org/markup-compatibility/2006">
-        <mc:Choice xmlns:a14="http://schemas.microsoft.com/office/drawing/2010/main" Requires="a14">
+      <mc:AlternateContent xmlns:mc="http://schemas.openxmlformats.org/markup-compatibility/2006" xmlns:a14="http://schemas.microsoft.com/office/drawing/2010/main">
+        <mc:Choice Requires="a14">
           <p:sp>
             <p:nvSpPr>
               <p:cNvPr id="11" name="TextBox 10">
@@ -10650,7 +10650,7 @@
             </p:txBody>
           </p:sp>
         </mc:Choice>
-        <mc:Fallback>
+        <mc:Fallback xmlns="">
           <p:sp>
             <p:nvSpPr>
               <p:cNvPr id="11" name="TextBox 10">
@@ -10709,7 +10709,7 @@
     <mc:Choice Requires="p14">
       <p:transition/>
     </mc:Choice>
-    <mc:Fallback xmlns:dsp="http://schemas.microsoft.com/office/drawing/2008/diagram" xmlns:dgm="http://schemas.openxmlformats.org/drawingml/2006/diagram" xmlns:c="http://schemas.openxmlformats.org/drawingml/2006/chart" xmlns="">
+    <mc:Fallback xmlns="" xmlns:c="http://schemas.openxmlformats.org/drawingml/2006/chart" xmlns:dgm="http://schemas.openxmlformats.org/drawingml/2006/diagram" xmlns:dsp="http://schemas.microsoft.com/office/drawing/2008/diagram">
       <p:transition/>
     </mc:Fallback>
   </mc:AlternateContent>
@@ -11225,7 +11225,7 @@
     <mc:Choice Requires="p14">
       <p:transition/>
     </mc:Choice>
-    <mc:Fallback xmlns:dsp="http://schemas.microsoft.com/office/drawing/2008/diagram" xmlns:dgm="http://schemas.openxmlformats.org/drawingml/2006/diagram" xmlns:c="http://schemas.openxmlformats.org/drawingml/2006/chart" xmlns="">
+    <mc:Fallback xmlns="" xmlns:c="http://schemas.openxmlformats.org/drawingml/2006/chart" xmlns:dgm="http://schemas.openxmlformats.org/drawingml/2006/diagram" xmlns:dsp="http://schemas.microsoft.com/office/drawing/2008/diagram">
       <p:transition/>
     </mc:Fallback>
   </mc:AlternateContent>
@@ -12188,7 +12188,7 @@
     <mc:Choice Requires="p14">
       <p:transition/>
     </mc:Choice>
-    <mc:Fallback xmlns:dsp="http://schemas.microsoft.com/office/drawing/2008/diagram" xmlns:dgm="http://schemas.openxmlformats.org/drawingml/2006/diagram" xmlns:c="http://schemas.openxmlformats.org/drawingml/2006/chart" xmlns="">
+    <mc:Fallback xmlns="" xmlns:c="http://schemas.openxmlformats.org/drawingml/2006/chart" xmlns:dgm="http://schemas.openxmlformats.org/drawingml/2006/diagram" xmlns:dsp="http://schemas.microsoft.com/office/drawing/2008/diagram">
       <p:transition/>
     </mc:Fallback>
   </mc:AlternateContent>
@@ -12762,7 +12762,7 @@
     <mc:Choice Requires="p14">
       <p:transition/>
     </mc:Choice>
-    <mc:Fallback xmlns:dsp="http://schemas.microsoft.com/office/drawing/2008/diagram" xmlns:dgm="http://schemas.openxmlformats.org/drawingml/2006/diagram" xmlns:c="http://schemas.openxmlformats.org/drawingml/2006/chart" xmlns="">
+    <mc:Fallback xmlns="" xmlns:c="http://schemas.openxmlformats.org/drawingml/2006/chart" xmlns:dgm="http://schemas.openxmlformats.org/drawingml/2006/diagram" xmlns:dsp="http://schemas.microsoft.com/office/drawing/2008/diagram">
       <p:transition/>
     </mc:Fallback>
   </mc:AlternateContent>
@@ -13349,7 +13349,7 @@
     <mc:Choice Requires="p14">
       <p:transition/>
     </mc:Choice>
-    <mc:Fallback xmlns:dsp="http://schemas.microsoft.com/office/drawing/2008/diagram" xmlns:dgm="http://schemas.openxmlformats.org/drawingml/2006/diagram" xmlns:c="http://schemas.openxmlformats.org/drawingml/2006/chart" xmlns="">
+    <mc:Fallback xmlns="" xmlns:c="http://schemas.openxmlformats.org/drawingml/2006/chart" xmlns:dgm="http://schemas.openxmlformats.org/drawingml/2006/diagram" xmlns:dsp="http://schemas.microsoft.com/office/drawing/2008/diagram">
       <p:transition/>
     </mc:Fallback>
   </mc:AlternateContent>
@@ -14286,7 +14286,7 @@
     <mc:Choice Requires="p14">
       <p:transition/>
     </mc:Choice>
-    <mc:Fallback xmlns:dsp="http://schemas.microsoft.com/office/drawing/2008/diagram" xmlns:dgm="http://schemas.openxmlformats.org/drawingml/2006/diagram" xmlns:c="http://schemas.openxmlformats.org/drawingml/2006/chart" xmlns="">
+    <mc:Fallback xmlns="" xmlns:c="http://schemas.openxmlformats.org/drawingml/2006/chart" xmlns:dgm="http://schemas.openxmlformats.org/drawingml/2006/diagram" xmlns:dsp="http://schemas.microsoft.com/office/drawing/2008/diagram">
       <p:transition/>
     </mc:Fallback>
   </mc:AlternateContent>
@@ -16242,7 +16242,7 @@
     <mc:Choice Requires="p14">
       <p:transition/>
     </mc:Choice>
-    <mc:Fallback xmlns:dsp="http://schemas.microsoft.com/office/drawing/2008/diagram" xmlns:dgm="http://schemas.openxmlformats.org/drawingml/2006/diagram" xmlns:c="http://schemas.openxmlformats.org/drawingml/2006/chart" xmlns="">
+    <mc:Fallback xmlns="" xmlns:c="http://schemas.openxmlformats.org/drawingml/2006/chart" xmlns:dgm="http://schemas.openxmlformats.org/drawingml/2006/diagram" xmlns:dsp="http://schemas.microsoft.com/office/drawing/2008/diagram">
       <p:transition/>
     </mc:Fallback>
   </mc:AlternateContent>
@@ -17418,7 +17418,7 @@
     <mc:Choice Requires="p14">
       <p:transition/>
     </mc:Choice>
-    <mc:Fallback xmlns:dsp="http://schemas.microsoft.com/office/drawing/2008/diagram" xmlns:dgm="http://schemas.openxmlformats.org/drawingml/2006/diagram" xmlns:c="http://schemas.openxmlformats.org/drawingml/2006/chart" xmlns="">
+    <mc:Fallback xmlns="" xmlns:c="http://schemas.openxmlformats.org/drawingml/2006/chart" xmlns:dgm="http://schemas.openxmlformats.org/drawingml/2006/diagram" xmlns:dsp="http://schemas.microsoft.com/office/drawing/2008/diagram">
       <p:transition/>
     </mc:Fallback>
   </mc:AlternateContent>
@@ -18724,7 +18724,7 @@
     <mc:Choice Requires="p14">
       <p:transition/>
     </mc:Choice>
-    <mc:Fallback xmlns:dsp="http://schemas.microsoft.com/office/drawing/2008/diagram" xmlns:dgm="http://schemas.openxmlformats.org/drawingml/2006/diagram" xmlns:c="http://schemas.openxmlformats.org/drawingml/2006/chart" xmlns="">
+    <mc:Fallback xmlns="" xmlns:c="http://schemas.openxmlformats.org/drawingml/2006/chart" xmlns:dgm="http://schemas.openxmlformats.org/drawingml/2006/diagram" xmlns:dsp="http://schemas.microsoft.com/office/drawing/2008/diagram">
       <p:transition/>
     </mc:Fallback>
   </mc:AlternateContent>
@@ -18833,7 +18833,7 @@
     <mc:Choice Requires="p14">
       <p:transition/>
     </mc:Choice>
-    <mc:Fallback xmlns="" xmlns:c="http://schemas.openxmlformats.org/drawingml/2006/chart" xmlns:dgm="http://schemas.openxmlformats.org/drawingml/2006/diagram" xmlns:dsp="http://schemas.microsoft.com/office/drawing/2008/diagram">
+    <mc:Fallback xmlns:dsp="http://schemas.microsoft.com/office/drawing/2008/diagram" xmlns:dgm="http://schemas.openxmlformats.org/drawingml/2006/diagram" xmlns:c="http://schemas.openxmlformats.org/drawingml/2006/chart" xmlns="">
       <p:transition/>
     </mc:Fallback>
   </mc:AlternateContent>
@@ -19400,7 +19400,7 @@
     <mc:Choice Requires="p14">
       <p:transition/>
     </mc:Choice>
-    <mc:Fallback xmlns:dsp="http://schemas.microsoft.com/office/drawing/2008/diagram" xmlns:dgm="http://schemas.openxmlformats.org/drawingml/2006/diagram" xmlns:c="http://schemas.openxmlformats.org/drawingml/2006/chart" xmlns="">
+    <mc:Fallback xmlns="" xmlns:c="http://schemas.openxmlformats.org/drawingml/2006/chart" xmlns:dgm="http://schemas.openxmlformats.org/drawingml/2006/diagram" xmlns:dsp="http://schemas.microsoft.com/office/drawing/2008/diagram">
       <p:transition/>
     </mc:Fallback>
   </mc:AlternateContent>
@@ -22095,7 +22095,7 @@
     <mc:Choice Requires="p14">
       <p:transition/>
     </mc:Choice>
-    <mc:Fallback xmlns:dsp="http://schemas.microsoft.com/office/drawing/2008/diagram" xmlns:dgm="http://schemas.openxmlformats.org/drawingml/2006/diagram" xmlns:c="http://schemas.openxmlformats.org/drawingml/2006/chart" xmlns="">
+    <mc:Fallback xmlns="" xmlns:c="http://schemas.openxmlformats.org/drawingml/2006/chart" xmlns:dgm="http://schemas.openxmlformats.org/drawingml/2006/diagram" xmlns:dsp="http://schemas.microsoft.com/office/drawing/2008/diagram">
       <p:transition/>
     </mc:Fallback>
   </mc:AlternateContent>
@@ -23100,7 +23100,7 @@
     <mc:Choice Requires="p14">
       <p:transition/>
     </mc:Choice>
-    <mc:Fallback xmlns:dsp="http://schemas.microsoft.com/office/drawing/2008/diagram" xmlns:dgm="http://schemas.openxmlformats.org/drawingml/2006/diagram" xmlns:c="http://schemas.openxmlformats.org/drawingml/2006/chart" xmlns="">
+    <mc:Fallback xmlns="" xmlns:c="http://schemas.openxmlformats.org/drawingml/2006/chart" xmlns:dgm="http://schemas.openxmlformats.org/drawingml/2006/diagram" xmlns:dsp="http://schemas.microsoft.com/office/drawing/2008/diagram">
       <p:transition/>
     </mc:Fallback>
   </mc:AlternateContent>
@@ -24383,7 +24383,7 @@
     <mc:Choice Requires="p14">
       <p:transition/>
     </mc:Choice>
-    <mc:Fallback xmlns:dsp="http://schemas.microsoft.com/office/drawing/2008/diagram" xmlns:dgm="http://schemas.openxmlformats.org/drawingml/2006/diagram" xmlns:c="http://schemas.openxmlformats.org/drawingml/2006/chart" xmlns="">
+    <mc:Fallback xmlns="" xmlns:c="http://schemas.openxmlformats.org/drawingml/2006/chart" xmlns:dgm="http://schemas.openxmlformats.org/drawingml/2006/diagram" xmlns:dsp="http://schemas.microsoft.com/office/drawing/2008/diagram">
       <p:transition/>
     </mc:Fallback>
   </mc:AlternateContent>
@@ -25300,7 +25300,7 @@
     <mc:Choice Requires="p14">
       <p:transition/>
     </mc:Choice>
-    <mc:Fallback xmlns:dsp="http://schemas.microsoft.com/office/drawing/2008/diagram" xmlns:dgm="http://schemas.openxmlformats.org/drawingml/2006/diagram" xmlns:c="http://schemas.openxmlformats.org/drawingml/2006/chart" xmlns="">
+    <mc:Fallback xmlns="" xmlns:c="http://schemas.openxmlformats.org/drawingml/2006/chart" xmlns:dgm="http://schemas.openxmlformats.org/drawingml/2006/diagram" xmlns:dsp="http://schemas.microsoft.com/office/drawing/2008/diagram">
       <p:transition/>
     </mc:Fallback>
   </mc:AlternateContent>
@@ -26774,7 +26774,7 @@
     <mc:Choice Requires="p14">
       <p:transition/>
     </mc:Choice>
-    <mc:Fallback xmlns:dsp="http://schemas.microsoft.com/office/drawing/2008/diagram" xmlns:dgm="http://schemas.openxmlformats.org/drawingml/2006/diagram" xmlns:c="http://schemas.openxmlformats.org/drawingml/2006/chart" xmlns="">
+    <mc:Fallback xmlns="" xmlns:c="http://schemas.openxmlformats.org/drawingml/2006/chart" xmlns:dgm="http://schemas.openxmlformats.org/drawingml/2006/diagram" xmlns:dsp="http://schemas.microsoft.com/office/drawing/2008/diagram">
       <p:transition/>
     </mc:Fallback>
   </mc:AlternateContent>
@@ -28354,7 +28354,7 @@
     <mc:Choice Requires="p14">
       <p:transition/>
     </mc:Choice>
-    <mc:Fallback xmlns:dsp="http://schemas.microsoft.com/office/drawing/2008/diagram" xmlns:dgm="http://schemas.openxmlformats.org/drawingml/2006/diagram" xmlns:c="http://schemas.openxmlformats.org/drawingml/2006/chart" xmlns="">
+    <mc:Fallback xmlns="" xmlns:c="http://schemas.openxmlformats.org/drawingml/2006/chart" xmlns:dgm="http://schemas.openxmlformats.org/drawingml/2006/diagram" xmlns:dsp="http://schemas.microsoft.com/office/drawing/2008/diagram">
       <p:transition/>
     </mc:Fallback>
   </mc:AlternateContent>
@@ -28541,8 +28541,8 @@
           </a:p>
         </p:txBody>
       </p:sp>
-      <mc:AlternateContent xmlns:mc="http://schemas.openxmlformats.org/markup-compatibility/2006" xmlns:a14="http://schemas.microsoft.com/office/drawing/2010/main">
-        <mc:Choice Requires="a14">
+      <mc:AlternateContent xmlns:mc="http://schemas.openxmlformats.org/markup-compatibility/2006">
+        <mc:Choice xmlns:a14="http://schemas.microsoft.com/office/drawing/2010/main" Requires="a14">
           <p:sp>
             <p:nvSpPr>
               <p:cNvPr id="4" name="TextBox 3">
@@ -28645,7 +28645,7 @@
                     <a:ea typeface="+mn-ea"/>
                     <a:cs typeface="+mn-cs"/>
                   </a:rPr>
-                  <a:t>까지 도달합니다</a:t>
+                  <a:t>까지 도달한다</a:t>
                 </a:r>
                 <a:r>
                   <a:rPr lang="en-US" altLang="ko-KR" sz="1800" b="0" kern="1200" dirty="0">
@@ -28747,7 +28747,7 @@
             </p:txBody>
           </p:sp>
         </mc:Choice>
-        <mc:Fallback xmlns="">
+        <mc:Fallback>
           <p:sp>
             <p:nvSpPr>
               <p:cNvPr id="4" name="TextBox 3">
@@ -29836,7 +29836,7 @@
     <mc:Choice Requires="p14">
       <p:transition/>
     </mc:Choice>
-    <mc:Fallback xmlns:dsp="http://schemas.microsoft.com/office/drawing/2008/diagram" xmlns:dgm="http://schemas.openxmlformats.org/drawingml/2006/diagram" xmlns:c="http://schemas.openxmlformats.org/drawingml/2006/chart" xmlns="">
+    <mc:Fallback xmlns="" xmlns:c="http://schemas.openxmlformats.org/drawingml/2006/chart" xmlns:dgm="http://schemas.openxmlformats.org/drawingml/2006/diagram" xmlns:dsp="http://schemas.microsoft.com/office/drawing/2008/diagram">
       <p:transition/>
     </mc:Fallback>
   </mc:AlternateContent>
@@ -30006,7 +30006,7 @@
     <mc:Choice Requires="p14">
       <p:transition/>
     </mc:Choice>
-    <mc:Fallback xmlns:dsp="http://schemas.microsoft.com/office/drawing/2008/diagram" xmlns:dgm="http://schemas.openxmlformats.org/drawingml/2006/diagram" xmlns:c="http://schemas.openxmlformats.org/drawingml/2006/chart" xmlns="">
+    <mc:Fallback xmlns="" xmlns:c="http://schemas.openxmlformats.org/drawingml/2006/chart" xmlns:dgm="http://schemas.openxmlformats.org/drawingml/2006/diagram" xmlns:dsp="http://schemas.microsoft.com/office/drawing/2008/diagram">
       <p:transition/>
     </mc:Fallback>
   </mc:AlternateContent>
@@ -30263,7 +30263,7 @@
     <mc:Choice Requires="p14">
       <p:transition/>
     </mc:Choice>
-    <mc:Fallback xmlns:dsp="http://schemas.microsoft.com/office/drawing/2008/diagram" xmlns:dgm="http://schemas.openxmlformats.org/drawingml/2006/diagram" xmlns:c="http://schemas.openxmlformats.org/drawingml/2006/chart" xmlns="">
+    <mc:Fallback xmlns="" xmlns:c="http://schemas.openxmlformats.org/drawingml/2006/chart" xmlns:dgm="http://schemas.openxmlformats.org/drawingml/2006/diagram" xmlns:dsp="http://schemas.microsoft.com/office/drawing/2008/diagram">
       <p:transition/>
     </mc:Fallback>
   </mc:AlternateContent>
@@ -30809,7 +30809,7 @@
     <mc:Choice Requires="p14">
       <p:transition/>
     </mc:Choice>
-    <mc:Fallback xmlns:dsp="http://schemas.microsoft.com/office/drawing/2008/diagram" xmlns:dgm="http://schemas.openxmlformats.org/drawingml/2006/diagram" xmlns:c="http://schemas.openxmlformats.org/drawingml/2006/chart" xmlns="">
+    <mc:Fallback xmlns="" xmlns:c="http://schemas.openxmlformats.org/drawingml/2006/chart" xmlns:dgm="http://schemas.openxmlformats.org/drawingml/2006/diagram" xmlns:dsp="http://schemas.microsoft.com/office/drawing/2008/diagram">
       <p:transition/>
     </mc:Fallback>
   </mc:AlternateContent>
@@ -31082,7 +31082,7 @@
     <mc:Choice Requires="p14">
       <p:transition/>
     </mc:Choice>
-    <mc:Fallback xmlns:dsp="http://schemas.microsoft.com/office/drawing/2008/diagram" xmlns:dgm="http://schemas.openxmlformats.org/drawingml/2006/diagram" xmlns:c="http://schemas.openxmlformats.org/drawingml/2006/chart" xmlns="">
+    <mc:Fallback xmlns="" xmlns:c="http://schemas.openxmlformats.org/drawingml/2006/chart" xmlns:dgm="http://schemas.openxmlformats.org/drawingml/2006/diagram" xmlns:dsp="http://schemas.microsoft.com/office/drawing/2008/diagram">
       <p:transition/>
     </mc:Fallback>
   </mc:AlternateContent>
@@ -32177,7 +32177,7 @@
     <mc:Choice Requires="p14">
       <p:transition/>
     </mc:Choice>
-    <mc:Fallback xmlns:dsp="http://schemas.microsoft.com/office/drawing/2008/diagram" xmlns:dgm="http://schemas.openxmlformats.org/drawingml/2006/diagram" xmlns:c="http://schemas.openxmlformats.org/drawingml/2006/chart" xmlns="">
+    <mc:Fallback xmlns="" xmlns:c="http://schemas.openxmlformats.org/drawingml/2006/chart" xmlns:dgm="http://schemas.openxmlformats.org/drawingml/2006/diagram" xmlns:dsp="http://schemas.microsoft.com/office/drawing/2008/diagram">
       <p:transition/>
     </mc:Fallback>
   </mc:AlternateContent>
@@ -32757,7 +32757,7 @@
     <mc:Choice Requires="p14">
       <p:transition/>
     </mc:Choice>
-    <mc:Fallback xmlns:dsp="http://schemas.microsoft.com/office/drawing/2008/diagram" xmlns:dgm="http://schemas.openxmlformats.org/drawingml/2006/diagram" xmlns:c="http://schemas.openxmlformats.org/drawingml/2006/chart" xmlns="">
+    <mc:Fallback xmlns="" xmlns:c="http://schemas.openxmlformats.org/drawingml/2006/chart" xmlns:dgm="http://schemas.openxmlformats.org/drawingml/2006/diagram" xmlns:dsp="http://schemas.microsoft.com/office/drawing/2008/diagram">
       <p:transition/>
     </mc:Fallback>
   </mc:AlternateContent>
@@ -33178,7 +33178,7 @@
     <mc:Choice Requires="p14">
       <p:transition/>
     </mc:Choice>
-    <mc:Fallback xmlns:dsp="http://schemas.microsoft.com/office/drawing/2008/diagram" xmlns:dgm="http://schemas.openxmlformats.org/drawingml/2006/diagram" xmlns:c="http://schemas.openxmlformats.org/drawingml/2006/chart" xmlns="">
+    <mc:Fallback xmlns="" xmlns:c="http://schemas.openxmlformats.org/drawingml/2006/chart" xmlns:dgm="http://schemas.openxmlformats.org/drawingml/2006/diagram" xmlns:dsp="http://schemas.microsoft.com/office/drawing/2008/diagram">
       <p:transition/>
     </mc:Fallback>
   </mc:AlternateContent>
@@ -33392,7 +33392,7 @@
     <mc:Choice Requires="p14">
       <p:transition/>
     </mc:Choice>
-    <mc:Fallback xmlns:dsp="http://schemas.microsoft.com/office/drawing/2008/diagram" xmlns:dgm="http://schemas.openxmlformats.org/drawingml/2006/diagram" xmlns:c="http://schemas.openxmlformats.org/drawingml/2006/chart" xmlns="">
+    <mc:Fallback xmlns="" xmlns:c="http://schemas.openxmlformats.org/drawingml/2006/chart" xmlns:dgm="http://schemas.openxmlformats.org/drawingml/2006/diagram" xmlns:dsp="http://schemas.microsoft.com/office/drawing/2008/diagram">
       <p:transition/>
     </mc:Fallback>
   </mc:AlternateContent>
@@ -33837,7 +33837,7 @@
     <mc:Choice Requires="p14">
       <p:transition/>
     </mc:Choice>
-    <mc:Fallback xmlns:dsp="http://schemas.microsoft.com/office/drawing/2008/diagram" xmlns:dgm="http://schemas.openxmlformats.org/drawingml/2006/diagram" xmlns:c="http://schemas.openxmlformats.org/drawingml/2006/chart" xmlns="">
+    <mc:Fallback xmlns="" xmlns:c="http://schemas.openxmlformats.org/drawingml/2006/chart" xmlns:dgm="http://schemas.openxmlformats.org/drawingml/2006/diagram" xmlns:dsp="http://schemas.microsoft.com/office/drawing/2008/diagram">
       <p:transition/>
     </mc:Fallback>
   </mc:AlternateContent>
@@ -34100,7 +34100,7 @@
     <mc:Choice Requires="p14">
       <p:transition/>
     </mc:Choice>
-    <mc:Fallback xmlns:dsp="http://schemas.microsoft.com/office/drawing/2008/diagram" xmlns:dgm="http://schemas.openxmlformats.org/drawingml/2006/diagram" xmlns:c="http://schemas.openxmlformats.org/drawingml/2006/chart" xmlns="">
+    <mc:Fallback xmlns="" xmlns:c="http://schemas.openxmlformats.org/drawingml/2006/chart" xmlns:dgm="http://schemas.openxmlformats.org/drawingml/2006/diagram" xmlns:dsp="http://schemas.microsoft.com/office/drawing/2008/diagram">
       <p:transition/>
     </mc:Fallback>
   </mc:AlternateContent>
@@ -36004,7 +36004,7 @@
     <mc:Choice Requires="p14">
       <p:transition/>
     </mc:Choice>
-    <mc:Fallback xmlns:dsp="http://schemas.microsoft.com/office/drawing/2008/diagram" xmlns:dgm="http://schemas.openxmlformats.org/drawingml/2006/diagram" xmlns:c="http://schemas.openxmlformats.org/drawingml/2006/chart" xmlns="">
+    <mc:Fallback xmlns="" xmlns:c="http://schemas.openxmlformats.org/drawingml/2006/chart" xmlns:dgm="http://schemas.openxmlformats.org/drawingml/2006/diagram" xmlns:dsp="http://schemas.microsoft.com/office/drawing/2008/diagram">
       <p:transition/>
     </mc:Fallback>
   </mc:AlternateContent>
@@ -39007,7 +39007,7 @@
     <mc:Choice Requires="p14">
       <p:transition/>
     </mc:Choice>
-    <mc:Fallback xmlns:dsp="http://schemas.microsoft.com/office/drawing/2008/diagram" xmlns:dgm="http://schemas.openxmlformats.org/drawingml/2006/diagram" xmlns:c="http://schemas.openxmlformats.org/drawingml/2006/chart" xmlns="">
+    <mc:Fallback xmlns="" xmlns:c="http://schemas.openxmlformats.org/drawingml/2006/chart" xmlns:dgm="http://schemas.openxmlformats.org/drawingml/2006/diagram" xmlns:dsp="http://schemas.microsoft.com/office/drawing/2008/diagram">
       <p:transition/>
     </mc:Fallback>
   </mc:AlternateContent>
@@ -40397,7 +40397,7 @@
     <mc:Choice Requires="p14">
       <p:transition/>
     </mc:Choice>
-    <mc:Fallback xmlns:dsp="http://schemas.microsoft.com/office/drawing/2008/diagram" xmlns:dgm="http://schemas.openxmlformats.org/drawingml/2006/diagram" xmlns:c="http://schemas.openxmlformats.org/drawingml/2006/chart" xmlns="">
+    <mc:Fallback xmlns="" xmlns:c="http://schemas.openxmlformats.org/drawingml/2006/chart" xmlns:dgm="http://schemas.openxmlformats.org/drawingml/2006/diagram" xmlns:dsp="http://schemas.microsoft.com/office/drawing/2008/diagram">
       <p:transition/>
     </mc:Fallback>
   </mc:AlternateContent>
@@ -41707,8 +41707,8 @@
           </p:sp>
         </mc:Fallback>
       </mc:AlternateContent>
-      <mc:AlternateContent xmlns:mc="http://schemas.openxmlformats.org/markup-compatibility/2006">
-        <mc:Choice xmlns:a14="http://schemas.microsoft.com/office/drawing/2010/main" Requires="a14">
+      <mc:AlternateContent xmlns:mc="http://schemas.openxmlformats.org/markup-compatibility/2006" xmlns:a14="http://schemas.microsoft.com/office/drawing/2010/main">
+        <mc:Choice Requires="a14">
           <p:sp>
             <p:nvSpPr>
               <p:cNvPr id="16" name="TextBox 15">
@@ -41822,7 +41822,7 @@
             </p:txBody>
           </p:sp>
         </mc:Choice>
-        <mc:Fallback>
+        <mc:Fallback xmlns="">
           <p:sp>
             <p:nvSpPr>
               <p:cNvPr id="16" name="TextBox 15">
@@ -42137,7 +42137,7 @@
     <mc:Choice Requires="p14">
       <p:transition/>
     </mc:Choice>
-    <mc:Fallback xmlns:dsp="http://schemas.microsoft.com/office/drawing/2008/diagram" xmlns:dgm="http://schemas.openxmlformats.org/drawingml/2006/diagram" xmlns:c="http://schemas.openxmlformats.org/drawingml/2006/chart" xmlns="">
+    <mc:Fallback xmlns="" xmlns:c="http://schemas.openxmlformats.org/drawingml/2006/chart" xmlns:dgm="http://schemas.openxmlformats.org/drawingml/2006/diagram" xmlns:dsp="http://schemas.microsoft.com/office/drawing/2008/diagram">
       <p:transition/>
     </mc:Fallback>
   </mc:AlternateContent>
@@ -42873,7 +42873,7 @@
     <mc:Choice Requires="p14">
       <p:transition/>
     </mc:Choice>
-    <mc:Fallback xmlns:dsp="http://schemas.microsoft.com/office/drawing/2008/diagram" xmlns:dgm="http://schemas.openxmlformats.org/drawingml/2006/diagram" xmlns:c="http://schemas.openxmlformats.org/drawingml/2006/chart" xmlns="">
+    <mc:Fallback xmlns="" xmlns:c="http://schemas.openxmlformats.org/drawingml/2006/chart" xmlns:dgm="http://schemas.openxmlformats.org/drawingml/2006/diagram" xmlns:dsp="http://schemas.microsoft.com/office/drawing/2008/diagram">
       <p:transition/>
     </mc:Fallback>
   </mc:AlternateContent>
@@ -44131,7 +44131,7 @@
     <mc:Choice Requires="p14">
       <p:transition/>
     </mc:Choice>
-    <mc:Fallback xmlns:dsp="http://schemas.microsoft.com/office/drawing/2008/diagram" xmlns:dgm="http://schemas.openxmlformats.org/drawingml/2006/diagram" xmlns:c="http://schemas.openxmlformats.org/drawingml/2006/chart" xmlns="">
+    <mc:Fallback xmlns="" xmlns:c="http://schemas.openxmlformats.org/drawingml/2006/chart" xmlns:dgm="http://schemas.openxmlformats.org/drawingml/2006/diagram" xmlns:dsp="http://schemas.microsoft.com/office/drawing/2008/diagram">
       <p:transition/>
     </mc:Fallback>
   </mc:AlternateContent>
